--- a/Quisar.pptx
+++ b/Quisar.pptx
@@ -5960,6 +5960,36 @@
           </a:p>
         </p:txBody>
       </p:sp>
+      <p:pic>
+        <p:nvPicPr>
+          <p:cNvPr id="4" name="Content Placeholder 7"/>
+          <p:cNvPicPr>
+            <a:picLocks noChangeAspect="1"/>
+          </p:cNvPicPr>
+          <p:nvPr/>
+        </p:nvPicPr>
+        <p:blipFill>
+          <a:blip r:embed="rId2">
+            <a:extLst>
+              <a:ext uri="{28A0092B-C50C-407E-A947-70E740481C1C}">
+                <a14:useLocalDpi xmlns:a14="http://schemas.microsoft.com/office/drawing/2010/main" val="0"/>
+              </a:ext>
+            </a:extLst>
+          </a:blip>
+          <a:stretch>
+            <a:fillRect/>
+          </a:stretch>
+        </p:blipFill>
+        <p:spPr>
+          <a:xfrm>
+            <a:off x="10668000" y="5487194"/>
+            <a:ext cx="1208881" cy="1208881"/>
+          </a:xfrm>
+          <a:prstGeom prst="rect">
+            <a:avLst/>
+          </a:prstGeom>
+        </p:spPr>
+      </p:pic>
     </p:spTree>
     <p:extLst>
       <p:ext uri="{BB962C8B-B14F-4D97-AF65-F5344CB8AC3E}">
@@ -6085,6 +6115,36 @@
           </a:p>
         </p:txBody>
       </p:sp>
+      <p:pic>
+        <p:nvPicPr>
+          <p:cNvPr id="9" name="Content Placeholder 7"/>
+          <p:cNvPicPr>
+            <a:picLocks noChangeAspect="1"/>
+          </p:cNvPicPr>
+          <p:nvPr/>
+        </p:nvPicPr>
+        <p:blipFill>
+          <a:blip r:embed="rId2">
+            <a:extLst>
+              <a:ext uri="{28A0092B-C50C-407E-A947-70E740481C1C}">
+                <a14:useLocalDpi xmlns:a14="http://schemas.microsoft.com/office/drawing/2010/main" val="0"/>
+              </a:ext>
+            </a:extLst>
+          </a:blip>
+          <a:stretch>
+            <a:fillRect/>
+          </a:stretch>
+        </p:blipFill>
+        <p:spPr>
+          <a:xfrm>
+            <a:off x="10658475" y="114300"/>
+            <a:ext cx="1390650" cy="1390650"/>
+          </a:xfrm>
+          <a:prstGeom prst="rect">
+            <a:avLst/>
+          </a:prstGeom>
+        </p:spPr>
+      </p:pic>
     </p:spTree>
     <p:extLst>
       <p:ext uri="{BB962C8B-B14F-4D97-AF65-F5344CB8AC3E}">
@@ -6217,6 +6277,35 @@
           </a:p>
         </p:txBody>
       </p:sp>
+      <p:pic>
+        <p:nvPicPr>
+          <p:cNvPr id="12" name="Content Placeholder 7"/>
+          <p:cNvPicPr>
+            <a:picLocks noGrp="1" noChangeAspect="1"/>
+          </p:cNvPicPr>
+          <p:nvPr>
+            <p:ph sz="quarter" idx="4"/>
+          </p:nvPr>
+        </p:nvPicPr>
+        <p:blipFill>
+          <a:blip r:embed="rId2">
+            <a:extLst>
+              <a:ext uri="{28A0092B-C50C-407E-A947-70E740481C1C}">
+                <a14:useLocalDpi xmlns:a14="http://schemas.microsoft.com/office/drawing/2010/main" val="0"/>
+              </a:ext>
+            </a:extLst>
+          </a:blip>
+          <a:stretch>
+            <a:fillRect/>
+          </a:stretch>
+        </p:blipFill>
+        <p:spPr>
+          <a:xfrm>
+            <a:off x="10658475" y="114300"/>
+            <a:ext cx="1390650" cy="1390650"/>
+          </a:xfrm>
+        </p:spPr>
+      </p:pic>
     </p:spTree>
     <p:extLst>
       <p:ext uri="{BB962C8B-B14F-4D97-AF65-F5344CB8AC3E}">
@@ -6322,25 +6411,35 @@
           </a:p>
         </p:txBody>
       </p:sp>
-      <p:sp>
-        <p:nvSpPr>
-          <p:cNvPr id="6" name="Content Placeholder 5"/>
-          <p:cNvSpPr>
-            <a:spLocks noGrp="1"/>
-          </p:cNvSpPr>
+      <p:pic>
+        <p:nvPicPr>
+          <p:cNvPr id="8" name="Content Placeholder 7"/>
+          <p:cNvPicPr>
+            <a:picLocks noGrp="1" noChangeAspect="1"/>
+          </p:cNvPicPr>
           <p:nvPr>
             <p:ph sz="quarter" idx="4"/>
           </p:nvPr>
-        </p:nvSpPr>
-        <p:spPr/>
-        <p:txBody>
-          <a:bodyPr/>
-          <a:lstStyle/>
-          <a:p>
-            <a:endParaRPr lang="en-US"/>
-          </a:p>
-        </p:txBody>
-      </p:sp>
+        </p:nvPicPr>
+        <p:blipFill>
+          <a:blip r:embed="rId2">
+            <a:extLst>
+              <a:ext uri="{28A0092B-C50C-407E-A947-70E740481C1C}">
+                <a14:useLocalDpi xmlns:a14="http://schemas.microsoft.com/office/drawing/2010/main" val="0"/>
+              </a:ext>
+            </a:extLst>
+          </a:blip>
+          <a:stretch>
+            <a:fillRect/>
+          </a:stretch>
+        </p:blipFill>
+        <p:spPr>
+          <a:xfrm>
+            <a:off x="10658475" y="114300"/>
+            <a:ext cx="1390650" cy="1390650"/>
+          </a:xfrm>
+        </p:spPr>
+      </p:pic>
     </p:spTree>
     <p:extLst>
       <p:ext uri="{BB962C8B-B14F-4D97-AF65-F5344CB8AC3E}">

--- a/Quisar.pptx
+++ b/Quisar.pptx
@@ -5912,21 +5912,18 @@
           </a:bodyPr>
           <a:lstStyle/>
           <a:p>
+            <a:pPr algn="ctr"/>
             <a:r>
               <a:rPr lang="en-US" sz="8800" dirty="0" err="1" smtClean="0">
                 <a:solidFill>
-                  <a:schemeClr val="accent2">
-                    <a:lumMod val="75000"/>
-                  </a:schemeClr>
+                  <a:schemeClr val="accent2"/>
                 </a:solidFill>
               </a:rPr>
               <a:t>Quisar</a:t>
             </a:r>
             <a:endParaRPr lang="en-US" sz="8800" dirty="0">
               <a:solidFill>
-                <a:schemeClr val="accent2">
-                  <a:lumMod val="75000"/>
-                </a:schemeClr>
+                <a:schemeClr val="accent2"/>
               </a:solidFill>
             </a:endParaRPr>
           </a:p>
@@ -5952,6 +5949,7 @@
           <a:bodyPr/>
           <a:lstStyle/>
           <a:p>
+            <a:pPr algn="ctr"/>
             <a:r>
               <a:rPr lang="en-US" dirty="0" smtClean="0"/>
               <a:t>Evil Geniuses For A Better Tomorrow</a:t>
@@ -5962,7 +5960,7 @@
       </p:sp>
       <p:pic>
         <p:nvPicPr>
-          <p:cNvPr id="4" name="Content Placeholder 7"/>
+          <p:cNvPr id="5" name="Picture 4"/>
           <p:cNvPicPr>
             <a:picLocks noChangeAspect="1"/>
           </p:cNvPicPr>
@@ -5982,8 +5980,8 @@
         </p:blipFill>
         <p:spPr>
           <a:xfrm>
-            <a:off x="10668000" y="5487194"/>
-            <a:ext cx="1208881" cy="1208881"/>
+            <a:off x="4591050" y="3238366"/>
+            <a:ext cx="3086233" cy="3086233"/>
           </a:xfrm>
           <a:prstGeom prst="rect">
             <a:avLst/>
@@ -6117,7 +6115,7 @@
       </p:sp>
       <p:pic>
         <p:nvPicPr>
-          <p:cNvPr id="9" name="Content Placeholder 7"/>
+          <p:cNvPr id="10" name="Picture 9"/>
           <p:cNvPicPr>
             <a:picLocks noChangeAspect="1"/>
           </p:cNvPicPr>
@@ -6137,8 +6135,8 @@
         </p:blipFill>
         <p:spPr>
           <a:xfrm>
-            <a:off x="10658475" y="114300"/>
-            <a:ext cx="1390650" cy="1390650"/>
+            <a:off x="10401434" y="67736"/>
+            <a:ext cx="1600199" cy="1600199"/>
           </a:xfrm>
           <a:prstGeom prst="rect">
             <a:avLst/>
@@ -6277,15 +6275,32 @@
           </a:p>
         </p:txBody>
       </p:sp>
+      <p:sp>
+        <p:nvSpPr>
+          <p:cNvPr id="7" name="Content Placeholder 6"/>
+          <p:cNvSpPr>
+            <a:spLocks noGrp="1"/>
+          </p:cNvSpPr>
+          <p:nvPr>
+            <p:ph sz="quarter" idx="4"/>
+          </p:nvPr>
+        </p:nvSpPr>
+        <p:spPr/>
+        <p:txBody>
+          <a:bodyPr/>
+          <a:lstStyle/>
+          <a:p>
+            <a:endParaRPr lang="en-US"/>
+          </a:p>
+        </p:txBody>
+      </p:sp>
       <p:pic>
         <p:nvPicPr>
-          <p:cNvPr id="12" name="Content Placeholder 7"/>
+          <p:cNvPr id="14" name="Picture 13"/>
           <p:cNvPicPr>
-            <a:picLocks noGrp="1" noChangeAspect="1"/>
+            <a:picLocks noChangeAspect="1"/>
           </p:cNvPicPr>
-          <p:nvPr>
-            <p:ph sz="quarter" idx="4"/>
-          </p:nvPr>
+          <p:nvPr/>
         </p:nvPicPr>
         <p:blipFill>
           <a:blip r:embed="rId2">
@@ -6301,9 +6316,12 @@
         </p:blipFill>
         <p:spPr>
           <a:xfrm>
-            <a:off x="10658475" y="114300"/>
-            <a:ext cx="1390650" cy="1390650"/>
-          </a:xfrm>
+            <a:off x="10401434" y="67736"/>
+            <a:ext cx="1600199" cy="1600199"/>
+          </a:xfrm>
+          <a:prstGeom prst="rect">
+            <a:avLst/>
+          </a:prstGeom>
         </p:spPr>
       </p:pic>
     </p:spTree>
@@ -6411,15 +6429,32 @@
           </a:p>
         </p:txBody>
       </p:sp>
+      <p:sp>
+        <p:nvSpPr>
+          <p:cNvPr id="9" name="Content Placeholder 8"/>
+          <p:cNvSpPr>
+            <a:spLocks noGrp="1"/>
+          </p:cNvSpPr>
+          <p:nvPr>
+            <p:ph sz="quarter" idx="4"/>
+          </p:nvPr>
+        </p:nvSpPr>
+        <p:spPr/>
+        <p:txBody>
+          <a:bodyPr/>
+          <a:lstStyle/>
+          <a:p>
+            <a:endParaRPr lang="en-US"/>
+          </a:p>
+        </p:txBody>
+      </p:sp>
       <p:pic>
         <p:nvPicPr>
-          <p:cNvPr id="8" name="Content Placeholder 7"/>
+          <p:cNvPr id="10" name="Picture 9"/>
           <p:cNvPicPr>
-            <a:picLocks noGrp="1" noChangeAspect="1"/>
+            <a:picLocks noChangeAspect="1"/>
           </p:cNvPicPr>
-          <p:nvPr>
-            <p:ph sz="quarter" idx="4"/>
-          </p:nvPr>
+          <p:nvPr/>
         </p:nvPicPr>
         <p:blipFill>
           <a:blip r:embed="rId2">
@@ -6435,9 +6470,12 @@
         </p:blipFill>
         <p:spPr>
           <a:xfrm>
-            <a:off x="10658475" y="114300"/>
-            <a:ext cx="1390650" cy="1390650"/>
-          </a:xfrm>
+            <a:off x="10401434" y="67736"/>
+            <a:ext cx="1600199" cy="1600199"/>
+          </a:xfrm>
+          <a:prstGeom prst="rect">
+            <a:avLst/>
+          </a:prstGeom>
         </p:spPr>
       </p:pic>
     </p:spTree>

--- a/Quisar.pptx
+++ b/Quisar.pptx
@@ -8,7 +8,8 @@
     <p:sldId id="256" r:id="rId2"/>
     <p:sldId id="258" r:id="rId3"/>
     <p:sldId id="257" r:id="rId4"/>
-    <p:sldId id="259" r:id="rId5"/>
+    <p:sldId id="260" r:id="rId5"/>
+    <p:sldId id="259" r:id="rId6"/>
   </p:sldIdLst>
   <p:sldSz cx="12192000" cy="6858000"/>
   <p:notesSz cx="6858000" cy="9144000"/>
@@ -6035,16 +6036,23 @@
             <p:ph type="title"/>
           </p:nvPr>
         </p:nvSpPr>
-        <p:spPr/>
-        <p:txBody>
-          <a:bodyPr/>
-          <a:lstStyle/>
-          <a:p>
-            <a:r>
-              <a:rPr lang="en-US" dirty="0" smtClean="0"/>
-              <a:t>Main functionalities</a:t>
-            </a:r>
-            <a:endParaRPr lang="en-US" dirty="0"/>
+        <p:spPr>
+          <a:xfrm>
+            <a:off x="685801" y="139701"/>
+            <a:ext cx="10131425" cy="1456267"/>
+          </a:xfrm>
+        </p:spPr>
+        <p:txBody>
+          <a:bodyPr>
+            <a:normAutofit/>
+          </a:bodyPr>
+          <a:lstStyle/>
+          <a:p>
+            <a:r>
+              <a:rPr lang="en-US" sz="4400" dirty="0" smtClean="0"/>
+              <a:t>Key functionalities</a:t>
+            </a:r>
+            <a:endParaRPr lang="en-US" sz="4400" dirty="0"/>
           </a:p>
         </p:txBody>
       </p:sp>
@@ -6061,55 +6069,38 @@
         <p:spPr>
           <a:xfrm>
             <a:off x="839788" y="1690688"/>
-            <a:ext cx="5157787" cy="4576523"/>
-          </a:xfrm>
-        </p:spPr>
-        <p:txBody>
-          <a:bodyPr/>
-          <a:lstStyle/>
-          <a:p>
-            <a:r>
-              <a:rPr lang="en-US" dirty="0" smtClean="0"/>
-              <a:t>Notifications from Android app</a:t>
-            </a:r>
-          </a:p>
-          <a:p>
-            <a:r>
-              <a:rPr lang="en-US" dirty="0" smtClean="0"/>
+            <a:ext cx="6132512" cy="5167312"/>
+          </a:xfrm>
+        </p:spPr>
+        <p:txBody>
+          <a:bodyPr>
+            <a:normAutofit/>
+          </a:bodyPr>
+          <a:lstStyle/>
+          <a:p>
+            <a:r>
+              <a:rPr lang="en-US" sz="2000" dirty="0" smtClean="0"/>
+              <a:t>Notifications to an Android Phone</a:t>
+            </a:r>
+          </a:p>
+          <a:p>
+            <a:r>
+              <a:rPr lang="en-US" sz="2000" dirty="0" smtClean="0"/>
               <a:t>Smart Watch App</a:t>
             </a:r>
           </a:p>
           <a:p>
             <a:r>
-              <a:rPr lang="en-US" dirty="0" smtClean="0"/>
-              <a:t>Live Video</a:t>
-            </a:r>
-          </a:p>
-          <a:p>
-            <a:r>
-              <a:rPr lang="en-US" dirty="0" smtClean="0"/>
+              <a:rPr lang="en-US" sz="2000" dirty="0" smtClean="0"/>
+              <a:t>Different formats of questions</a:t>
+            </a:r>
+          </a:p>
+          <a:p>
+            <a:r>
+              <a:rPr lang="en-US" sz="2000" dirty="0" smtClean="0"/>
               <a:t>Shop &amp; Rewards</a:t>
             </a:r>
-            <a:endParaRPr lang="en-US" dirty="0"/>
-          </a:p>
-        </p:txBody>
-      </p:sp>
-      <p:sp>
-        <p:nvSpPr>
-          <p:cNvPr id="7" name="Content Placeholder 6"/>
-          <p:cNvSpPr>
-            <a:spLocks noGrp="1"/>
-          </p:cNvSpPr>
-          <p:nvPr>
-            <p:ph sz="quarter" idx="4"/>
-          </p:nvPr>
-        </p:nvSpPr>
-        <p:spPr/>
-        <p:txBody>
-          <a:bodyPr/>
-          <a:lstStyle/>
-          <a:p>
-            <a:endParaRPr lang="en-US"/>
+            <a:endParaRPr lang="en-US" sz="2000" dirty="0"/>
           </a:p>
         </p:txBody>
       </p:sp>
@@ -6275,25 +6266,6 @@
           </a:p>
         </p:txBody>
       </p:sp>
-      <p:sp>
-        <p:nvSpPr>
-          <p:cNvPr id="7" name="Content Placeholder 6"/>
-          <p:cNvSpPr>
-            <a:spLocks noGrp="1"/>
-          </p:cNvSpPr>
-          <p:nvPr>
-            <p:ph sz="quarter" idx="4"/>
-          </p:nvPr>
-        </p:nvSpPr>
-        <p:spPr/>
-        <p:txBody>
-          <a:bodyPr/>
-          <a:lstStyle/>
-          <a:p>
-            <a:endParaRPr lang="en-US"/>
-          </a:p>
-        </p:txBody>
-      </p:sp>
       <p:pic>
         <p:nvPicPr>
           <p:cNvPr id="14" name="Picture 13"/>
@@ -6345,6 +6317,143 @@
 </file>
 
 <file path=ppt/slides/slide4.xml><?xml version="1.0" encoding="utf-8"?>
+<p:sld xmlns:a="http://schemas.openxmlformats.org/drawingml/2006/main" xmlns:r="http://schemas.openxmlformats.org/officeDocument/2006/relationships" xmlns:p="http://schemas.openxmlformats.org/presentationml/2006/main">
+  <p:cSld>
+    <p:spTree>
+      <p:nvGrpSpPr>
+        <p:cNvPr id="1" name=""/>
+        <p:cNvGrpSpPr/>
+        <p:nvPr/>
+      </p:nvGrpSpPr>
+      <p:grpSpPr>
+        <a:xfrm>
+          <a:off x="0" y="0"/>
+          <a:ext cx="0" cy="0"/>
+          <a:chOff x="0" y="0"/>
+          <a:chExt cx="0" cy="0"/>
+        </a:xfrm>
+      </p:grpSpPr>
+      <p:sp>
+        <p:nvSpPr>
+          <p:cNvPr id="2" name="Title 1"/>
+          <p:cNvSpPr>
+            <a:spLocks noGrp="1"/>
+          </p:cNvSpPr>
+          <p:nvPr>
+            <p:ph type="title"/>
+          </p:nvPr>
+        </p:nvSpPr>
+        <p:spPr/>
+        <p:txBody>
+          <a:bodyPr/>
+          <a:lstStyle/>
+          <a:p>
+            <a:r>
+              <a:rPr lang="en-US" dirty="0" smtClean="0"/>
+              <a:t>What we have done?</a:t>
+            </a:r>
+            <a:endParaRPr lang="en-US" dirty="0"/>
+          </a:p>
+        </p:txBody>
+      </p:sp>
+      <p:sp>
+        <p:nvSpPr>
+          <p:cNvPr id="6" name="Content Placeholder 5"/>
+          <p:cNvSpPr>
+            <a:spLocks noGrp="1"/>
+          </p:cNvSpPr>
+          <p:nvPr>
+            <p:ph sz="quarter" idx="4"/>
+          </p:nvPr>
+        </p:nvSpPr>
+        <p:spPr>
+          <a:xfrm>
+            <a:off x="685801" y="2184930"/>
+            <a:ext cx="4995334" cy="2920998"/>
+          </a:xfrm>
+        </p:spPr>
+        <p:txBody>
+          <a:bodyPr/>
+          <a:lstStyle/>
+          <a:p>
+            <a:r>
+              <a:rPr lang="en-US" dirty="0" smtClean="0"/>
+              <a:t>Used/learnt  a bunch of new technologies</a:t>
+            </a:r>
+          </a:p>
+          <a:p>
+            <a:r>
+              <a:rPr lang="en-US" dirty="0" smtClean="0"/>
+              <a:t>Made Web Server backend </a:t>
+            </a:r>
+          </a:p>
+          <a:p>
+            <a:r>
+              <a:rPr lang="en-US" dirty="0" smtClean="0"/>
+              <a:t>Some basic UI</a:t>
+            </a:r>
+          </a:p>
+          <a:p>
+            <a:r>
+              <a:rPr lang="en-US" dirty="0" smtClean="0"/>
+              <a:t>Android interface with push notifications</a:t>
+            </a:r>
+          </a:p>
+          <a:p>
+            <a:r>
+              <a:rPr lang="en-US" dirty="0" smtClean="0"/>
+              <a:t>Firebase database system</a:t>
+            </a:r>
+          </a:p>
+          <a:p>
+            <a:endParaRPr lang="en-US" dirty="0"/>
+          </a:p>
+        </p:txBody>
+      </p:sp>
+      <p:pic>
+        <p:nvPicPr>
+          <p:cNvPr id="7" name="Picture 6"/>
+          <p:cNvPicPr>
+            <a:picLocks noChangeAspect="1"/>
+          </p:cNvPicPr>
+          <p:nvPr/>
+        </p:nvPicPr>
+        <p:blipFill>
+          <a:blip r:embed="rId2">
+            <a:extLst>
+              <a:ext uri="{28A0092B-C50C-407E-A947-70E740481C1C}">
+                <a14:useLocalDpi xmlns:a14="http://schemas.microsoft.com/office/drawing/2010/main" val="0"/>
+              </a:ext>
+            </a:extLst>
+          </a:blip>
+          <a:stretch>
+            <a:fillRect/>
+          </a:stretch>
+        </p:blipFill>
+        <p:spPr>
+          <a:xfrm>
+            <a:off x="10401434" y="67736"/>
+            <a:ext cx="1600199" cy="1600199"/>
+          </a:xfrm>
+          <a:prstGeom prst="rect">
+            <a:avLst/>
+          </a:prstGeom>
+        </p:spPr>
+      </p:pic>
+    </p:spTree>
+    <p:extLst>
+      <p:ext uri="{BB962C8B-B14F-4D97-AF65-F5344CB8AC3E}">
+        <p14:creationId xmlns:p14="http://schemas.microsoft.com/office/powerpoint/2010/main" val="1008249640"/>
+      </p:ext>
+    </p:extLst>
+  </p:cSld>
+  <p:clrMapOvr>
+    <a:masterClrMapping/>
+  </p:clrMapOvr>
+</p:sld>
+</file>
+
+<file path=ppt/slides/slide5.xml><?xml version="1.0" encoding="utf-8"?>
 <p:sld xmlns:a="http://schemas.openxmlformats.org/drawingml/2006/main" xmlns:r="http://schemas.openxmlformats.org/officeDocument/2006/relationships" xmlns:p="http://schemas.openxmlformats.org/presentationml/2006/main">
   <p:cSld>
     <p:spTree>
